--- a/ppt 16-9/0690.稍微不儆醒.pptx
+++ b/ppt 16-9/0690.稍微不儆醒.pptx
@@ -5,7 +5,7 @@
     <p:sldMasterId id="2147483648" r:id="rId1"/>
   </p:sldMasterIdLst>
   <p:sldIdLst>
-    <p:sldId id="2502" r:id="rId2"/>
+    <p:sldId id="2504" r:id="rId2"/>
   </p:sldIdLst>
   <p:sldSz cx="12192000" cy="6858000"/>
   <p:notesSz cx="6858000" cy="9144000"/>
@@ -129,7 +129,7 @@
           <p:cNvPr id="2" name="标题 1">
             <a:extLst>
               <a:ext uri="{FF2B5EF4-FFF2-40B4-BE49-F238E27FC236}">
-                <a16:creationId xmlns:a16="http://schemas.microsoft.com/office/drawing/2014/main" id="{B29AEEFD-E58B-4E09-448C-0002933B7E08}"/>
+                <a16:creationId xmlns:a16="http://schemas.microsoft.com/office/drawing/2014/main" id="{5A23926B-B94F-7C03-D354-342DD95B485E}"/>
               </a:ext>
             </a:extLst>
           </p:cNvPr>
@@ -166,7 +166,7 @@
           <p:cNvPr id="3" name="副标题 2">
             <a:extLst>
               <a:ext uri="{FF2B5EF4-FFF2-40B4-BE49-F238E27FC236}">
-                <a16:creationId xmlns:a16="http://schemas.microsoft.com/office/drawing/2014/main" id="{9DEA821D-FFA7-0D9D-28C6-1CB4935E7849}"/>
+                <a16:creationId xmlns:a16="http://schemas.microsoft.com/office/drawing/2014/main" id="{C203C034-AF6C-2EF0-DCFF-1ADC0D78130D}"/>
               </a:ext>
             </a:extLst>
           </p:cNvPr>
@@ -236,7 +236,7 @@
           <p:cNvPr id="4" name="日期占位符 3">
             <a:extLst>
               <a:ext uri="{FF2B5EF4-FFF2-40B4-BE49-F238E27FC236}">
-                <a16:creationId xmlns:a16="http://schemas.microsoft.com/office/drawing/2014/main" id="{3B285D70-D334-0F1C-B487-E3388081D7BC}"/>
+                <a16:creationId xmlns:a16="http://schemas.microsoft.com/office/drawing/2014/main" id="{BA204C92-6CD2-F1AC-7F52-3AE64C75CDC5}"/>
               </a:ext>
             </a:extLst>
           </p:cNvPr>
@@ -252,7 +252,7 @@
           <a:bodyPr/>
           <a:lstStyle/>
           <a:p>
-            <a:fld id="{45A98314-CD39-44D7-8DA3-F7E5CD16E4D1}" type="datetimeFigureOut">
+            <a:fld id="{0C9FC555-8252-4E5D-99F7-E3E859EB90BF}" type="datetimeFigureOut">
               <a:rPr lang="zh-CN" altLang="en-US" smtClean="0"/>
               <a:t>2024/3/10</a:t>
             </a:fld>
@@ -265,7 +265,7 @@
           <p:cNvPr id="5" name="页脚占位符 4">
             <a:extLst>
               <a:ext uri="{FF2B5EF4-FFF2-40B4-BE49-F238E27FC236}">
-                <a16:creationId xmlns:a16="http://schemas.microsoft.com/office/drawing/2014/main" id="{99AA037A-B770-53A2-7058-7B17C3BB0401}"/>
+                <a16:creationId xmlns:a16="http://schemas.microsoft.com/office/drawing/2014/main" id="{2F9F1D1F-D679-5D25-61D4-FEB730ED927D}"/>
               </a:ext>
             </a:extLst>
           </p:cNvPr>
@@ -290,7 +290,7 @@
           <p:cNvPr id="6" name="灯片编号占位符 5">
             <a:extLst>
               <a:ext uri="{FF2B5EF4-FFF2-40B4-BE49-F238E27FC236}">
-                <a16:creationId xmlns:a16="http://schemas.microsoft.com/office/drawing/2014/main" id="{C782B9E8-4927-E34F-6F90-D39A9D1B6A3E}"/>
+                <a16:creationId xmlns:a16="http://schemas.microsoft.com/office/drawing/2014/main" id="{F1DD7DB5-43A3-0F3E-0CD2-A82F6416332E}"/>
               </a:ext>
             </a:extLst>
           </p:cNvPr>
@@ -306,7 +306,7 @@
           <a:bodyPr/>
           <a:lstStyle/>
           <a:p>
-            <a:fld id="{867E7AAB-AC0D-4CA1-9A81-3C1A8E79CDB8}" type="slidenum">
+            <a:fld id="{A9609B8E-3A8E-4D11-9B8C-E58B1645A34E}" type="slidenum">
               <a:rPr lang="zh-CN" altLang="en-US" smtClean="0"/>
               <a:t>‹#›</a:t>
             </a:fld>
@@ -317,7 +317,7 @@
     </p:spTree>
     <p:extLst>
       <p:ext uri="{BB962C8B-B14F-4D97-AF65-F5344CB8AC3E}">
-        <p14:creationId xmlns:p14="http://schemas.microsoft.com/office/powerpoint/2010/main" val="3398364292"/>
+        <p14:creationId xmlns:p14="http://schemas.microsoft.com/office/powerpoint/2010/main" val="2220341606"/>
       </p:ext>
     </p:extLst>
   </p:cSld>
@@ -349,7 +349,7 @@
           <p:cNvPr id="2" name="标题 1">
             <a:extLst>
               <a:ext uri="{FF2B5EF4-FFF2-40B4-BE49-F238E27FC236}">
-                <a16:creationId xmlns:a16="http://schemas.microsoft.com/office/drawing/2014/main" id="{192E8E63-BC7C-C296-322E-80113FBE52B6}"/>
+                <a16:creationId xmlns:a16="http://schemas.microsoft.com/office/drawing/2014/main" id="{98D6F4DF-5A0E-1BAE-6AB4-E56CDBBF92C8}"/>
               </a:ext>
             </a:extLst>
           </p:cNvPr>
@@ -377,7 +377,7 @@
           <p:cNvPr id="3" name="竖排文字占位符 2">
             <a:extLst>
               <a:ext uri="{FF2B5EF4-FFF2-40B4-BE49-F238E27FC236}">
-                <a16:creationId xmlns:a16="http://schemas.microsoft.com/office/drawing/2014/main" id="{1740B50B-C5FE-8F47-D01F-F5EEFB36B9CC}"/>
+                <a16:creationId xmlns:a16="http://schemas.microsoft.com/office/drawing/2014/main" id="{10163888-C2D4-E8C7-60B2-CBCD465E091F}"/>
               </a:ext>
             </a:extLst>
           </p:cNvPr>
@@ -434,7 +434,7 @@
           <p:cNvPr id="4" name="日期占位符 3">
             <a:extLst>
               <a:ext uri="{FF2B5EF4-FFF2-40B4-BE49-F238E27FC236}">
-                <a16:creationId xmlns:a16="http://schemas.microsoft.com/office/drawing/2014/main" id="{3879A578-178F-43B1-9769-40F87BA10A5C}"/>
+                <a16:creationId xmlns:a16="http://schemas.microsoft.com/office/drawing/2014/main" id="{F9055859-4BDB-7639-2FA6-1A6AAD376858}"/>
               </a:ext>
             </a:extLst>
           </p:cNvPr>
@@ -450,7 +450,7 @@
           <a:bodyPr/>
           <a:lstStyle/>
           <a:p>
-            <a:fld id="{45A98314-CD39-44D7-8DA3-F7E5CD16E4D1}" type="datetimeFigureOut">
+            <a:fld id="{0C9FC555-8252-4E5D-99F7-E3E859EB90BF}" type="datetimeFigureOut">
               <a:rPr lang="zh-CN" altLang="en-US" smtClean="0"/>
               <a:t>2024/3/10</a:t>
             </a:fld>
@@ -463,7 +463,7 @@
           <p:cNvPr id="5" name="页脚占位符 4">
             <a:extLst>
               <a:ext uri="{FF2B5EF4-FFF2-40B4-BE49-F238E27FC236}">
-                <a16:creationId xmlns:a16="http://schemas.microsoft.com/office/drawing/2014/main" id="{F9BBFCC3-03F7-6CD1-8F21-A985CAF9024C}"/>
+                <a16:creationId xmlns:a16="http://schemas.microsoft.com/office/drawing/2014/main" id="{F96716CC-A732-AADB-7DFD-F16C0F1C19DD}"/>
               </a:ext>
             </a:extLst>
           </p:cNvPr>
@@ -488,7 +488,7 @@
           <p:cNvPr id="6" name="灯片编号占位符 5">
             <a:extLst>
               <a:ext uri="{FF2B5EF4-FFF2-40B4-BE49-F238E27FC236}">
-                <a16:creationId xmlns:a16="http://schemas.microsoft.com/office/drawing/2014/main" id="{CAB51236-288B-28A5-6B48-B787C4335A97}"/>
+                <a16:creationId xmlns:a16="http://schemas.microsoft.com/office/drawing/2014/main" id="{65988912-C5C2-08AC-8C0F-BA7CE9E1424F}"/>
               </a:ext>
             </a:extLst>
           </p:cNvPr>
@@ -504,7 +504,7 @@
           <a:bodyPr/>
           <a:lstStyle/>
           <a:p>
-            <a:fld id="{867E7AAB-AC0D-4CA1-9A81-3C1A8E79CDB8}" type="slidenum">
+            <a:fld id="{A9609B8E-3A8E-4D11-9B8C-E58B1645A34E}" type="slidenum">
               <a:rPr lang="zh-CN" altLang="en-US" smtClean="0"/>
               <a:t>‹#›</a:t>
             </a:fld>
@@ -515,7 +515,7 @@
     </p:spTree>
     <p:extLst>
       <p:ext uri="{BB962C8B-B14F-4D97-AF65-F5344CB8AC3E}">
-        <p14:creationId xmlns:p14="http://schemas.microsoft.com/office/powerpoint/2010/main" val="2694458007"/>
+        <p14:creationId xmlns:p14="http://schemas.microsoft.com/office/powerpoint/2010/main" val="2819637127"/>
       </p:ext>
     </p:extLst>
   </p:cSld>
@@ -547,7 +547,7 @@
           <p:cNvPr id="2" name="竖排标题 1">
             <a:extLst>
               <a:ext uri="{FF2B5EF4-FFF2-40B4-BE49-F238E27FC236}">
-                <a16:creationId xmlns:a16="http://schemas.microsoft.com/office/drawing/2014/main" id="{9A77F90B-1E70-3B8E-7385-D44ABB047D94}"/>
+                <a16:creationId xmlns:a16="http://schemas.microsoft.com/office/drawing/2014/main" id="{B31F2963-1BCE-4BD5-B0AE-7A489837D51B}"/>
               </a:ext>
             </a:extLst>
           </p:cNvPr>
@@ -580,7 +580,7 @@
           <p:cNvPr id="3" name="竖排文字占位符 2">
             <a:extLst>
               <a:ext uri="{FF2B5EF4-FFF2-40B4-BE49-F238E27FC236}">
-                <a16:creationId xmlns:a16="http://schemas.microsoft.com/office/drawing/2014/main" id="{DA865668-438E-6D70-1B7E-B30F1F770174}"/>
+                <a16:creationId xmlns:a16="http://schemas.microsoft.com/office/drawing/2014/main" id="{9877F664-CBFA-EA1E-ECD1-56B61759D9D7}"/>
               </a:ext>
             </a:extLst>
           </p:cNvPr>
@@ -642,7 +642,7 @@
           <p:cNvPr id="4" name="日期占位符 3">
             <a:extLst>
               <a:ext uri="{FF2B5EF4-FFF2-40B4-BE49-F238E27FC236}">
-                <a16:creationId xmlns:a16="http://schemas.microsoft.com/office/drawing/2014/main" id="{D9952600-A1EC-DB62-721B-1245432F3D6A}"/>
+                <a16:creationId xmlns:a16="http://schemas.microsoft.com/office/drawing/2014/main" id="{405AAFF4-C46D-B736-989B-FEEB6D2DF813}"/>
               </a:ext>
             </a:extLst>
           </p:cNvPr>
@@ -658,7 +658,7 @@
           <a:bodyPr/>
           <a:lstStyle/>
           <a:p>
-            <a:fld id="{45A98314-CD39-44D7-8DA3-F7E5CD16E4D1}" type="datetimeFigureOut">
+            <a:fld id="{0C9FC555-8252-4E5D-99F7-E3E859EB90BF}" type="datetimeFigureOut">
               <a:rPr lang="zh-CN" altLang="en-US" smtClean="0"/>
               <a:t>2024/3/10</a:t>
             </a:fld>
@@ -671,7 +671,7 @@
           <p:cNvPr id="5" name="页脚占位符 4">
             <a:extLst>
               <a:ext uri="{FF2B5EF4-FFF2-40B4-BE49-F238E27FC236}">
-                <a16:creationId xmlns:a16="http://schemas.microsoft.com/office/drawing/2014/main" id="{071F64D4-2327-9D04-0F63-5E874D8E314F}"/>
+                <a16:creationId xmlns:a16="http://schemas.microsoft.com/office/drawing/2014/main" id="{361D622E-291E-CC30-8321-DCCECBE37D4F}"/>
               </a:ext>
             </a:extLst>
           </p:cNvPr>
@@ -696,7 +696,7 @@
           <p:cNvPr id="6" name="灯片编号占位符 5">
             <a:extLst>
               <a:ext uri="{FF2B5EF4-FFF2-40B4-BE49-F238E27FC236}">
-                <a16:creationId xmlns:a16="http://schemas.microsoft.com/office/drawing/2014/main" id="{8C6A69F8-36A8-4953-AD45-7DBCE3837B91}"/>
+                <a16:creationId xmlns:a16="http://schemas.microsoft.com/office/drawing/2014/main" id="{3C550742-8ED2-4079-468B-8E9AC3D8BBD9}"/>
               </a:ext>
             </a:extLst>
           </p:cNvPr>
@@ -712,7 +712,7 @@
           <a:bodyPr/>
           <a:lstStyle/>
           <a:p>
-            <a:fld id="{867E7AAB-AC0D-4CA1-9A81-3C1A8E79CDB8}" type="slidenum">
+            <a:fld id="{A9609B8E-3A8E-4D11-9B8C-E58B1645A34E}" type="slidenum">
               <a:rPr lang="zh-CN" altLang="en-US" smtClean="0"/>
               <a:t>‹#›</a:t>
             </a:fld>
@@ -723,7 +723,7 @@
     </p:spTree>
     <p:extLst>
       <p:ext uri="{BB962C8B-B14F-4D97-AF65-F5344CB8AC3E}">
-        <p14:creationId xmlns:p14="http://schemas.microsoft.com/office/powerpoint/2010/main" val="3119480601"/>
+        <p14:creationId xmlns:p14="http://schemas.microsoft.com/office/powerpoint/2010/main" val="2872166969"/>
       </p:ext>
     </p:extLst>
   </p:cSld>
@@ -755,7 +755,7 @@
           <p:cNvPr id="2" name="标题 1">
             <a:extLst>
               <a:ext uri="{FF2B5EF4-FFF2-40B4-BE49-F238E27FC236}">
-                <a16:creationId xmlns:a16="http://schemas.microsoft.com/office/drawing/2014/main" id="{131D98D7-C4C3-6360-5939-99B3397DF586}"/>
+                <a16:creationId xmlns:a16="http://schemas.microsoft.com/office/drawing/2014/main" id="{E9B5045D-AA44-1AE2-921B-56FEF6D1E24E}"/>
               </a:ext>
             </a:extLst>
           </p:cNvPr>
@@ -783,7 +783,7 @@
           <p:cNvPr id="3" name="内容占位符 2">
             <a:extLst>
               <a:ext uri="{FF2B5EF4-FFF2-40B4-BE49-F238E27FC236}">
-                <a16:creationId xmlns:a16="http://schemas.microsoft.com/office/drawing/2014/main" id="{4369D830-F129-2F23-7EF4-2855958159FE}"/>
+                <a16:creationId xmlns:a16="http://schemas.microsoft.com/office/drawing/2014/main" id="{EC9328D2-D74D-FC63-AB2F-D0988F974389}"/>
               </a:ext>
             </a:extLst>
           </p:cNvPr>
@@ -840,7 +840,7 @@
           <p:cNvPr id="4" name="日期占位符 3">
             <a:extLst>
               <a:ext uri="{FF2B5EF4-FFF2-40B4-BE49-F238E27FC236}">
-                <a16:creationId xmlns:a16="http://schemas.microsoft.com/office/drawing/2014/main" id="{78410D55-41B6-7417-81E6-ACFC5C6727D6}"/>
+                <a16:creationId xmlns:a16="http://schemas.microsoft.com/office/drawing/2014/main" id="{E524ED65-50AA-AFF3-BEF9-FF5D65E02401}"/>
               </a:ext>
             </a:extLst>
           </p:cNvPr>
@@ -856,7 +856,7 @@
           <a:bodyPr/>
           <a:lstStyle/>
           <a:p>
-            <a:fld id="{45A98314-CD39-44D7-8DA3-F7E5CD16E4D1}" type="datetimeFigureOut">
+            <a:fld id="{0C9FC555-8252-4E5D-99F7-E3E859EB90BF}" type="datetimeFigureOut">
               <a:rPr lang="zh-CN" altLang="en-US" smtClean="0"/>
               <a:t>2024/3/10</a:t>
             </a:fld>
@@ -869,7 +869,7 @@
           <p:cNvPr id="5" name="页脚占位符 4">
             <a:extLst>
               <a:ext uri="{FF2B5EF4-FFF2-40B4-BE49-F238E27FC236}">
-                <a16:creationId xmlns:a16="http://schemas.microsoft.com/office/drawing/2014/main" id="{2FA30EB2-7240-4669-119D-BA97203EA945}"/>
+                <a16:creationId xmlns:a16="http://schemas.microsoft.com/office/drawing/2014/main" id="{76CC8CF4-AABB-8E46-9D9E-283C4FEE0195}"/>
               </a:ext>
             </a:extLst>
           </p:cNvPr>
@@ -894,7 +894,7 @@
           <p:cNvPr id="6" name="灯片编号占位符 5">
             <a:extLst>
               <a:ext uri="{FF2B5EF4-FFF2-40B4-BE49-F238E27FC236}">
-                <a16:creationId xmlns:a16="http://schemas.microsoft.com/office/drawing/2014/main" id="{182696EF-45D9-822D-04B4-2ED3D44DFB1C}"/>
+                <a16:creationId xmlns:a16="http://schemas.microsoft.com/office/drawing/2014/main" id="{94BCFE15-47F9-82AA-AED0-D48FDBEC474D}"/>
               </a:ext>
             </a:extLst>
           </p:cNvPr>
@@ -910,7 +910,7 @@
           <a:bodyPr/>
           <a:lstStyle/>
           <a:p>
-            <a:fld id="{867E7AAB-AC0D-4CA1-9A81-3C1A8E79CDB8}" type="slidenum">
+            <a:fld id="{A9609B8E-3A8E-4D11-9B8C-E58B1645A34E}" type="slidenum">
               <a:rPr lang="zh-CN" altLang="en-US" smtClean="0"/>
               <a:t>‹#›</a:t>
             </a:fld>
@@ -921,7 +921,7 @@
     </p:spTree>
     <p:extLst>
       <p:ext uri="{BB962C8B-B14F-4D97-AF65-F5344CB8AC3E}">
-        <p14:creationId xmlns:p14="http://schemas.microsoft.com/office/powerpoint/2010/main" val="3536378055"/>
+        <p14:creationId xmlns:p14="http://schemas.microsoft.com/office/powerpoint/2010/main" val="434871937"/>
       </p:ext>
     </p:extLst>
   </p:cSld>
@@ -953,7 +953,7 @@
           <p:cNvPr id="2" name="标题 1">
             <a:extLst>
               <a:ext uri="{FF2B5EF4-FFF2-40B4-BE49-F238E27FC236}">
-                <a16:creationId xmlns:a16="http://schemas.microsoft.com/office/drawing/2014/main" id="{B566E42F-DC0A-AA92-0946-71C207EAE04B}"/>
+                <a16:creationId xmlns:a16="http://schemas.microsoft.com/office/drawing/2014/main" id="{5354AE72-F2BD-897F-A89C-5B330A12B28A}"/>
               </a:ext>
             </a:extLst>
           </p:cNvPr>
@@ -990,7 +990,7 @@
           <p:cNvPr id="3" name="文本占位符 2">
             <a:extLst>
               <a:ext uri="{FF2B5EF4-FFF2-40B4-BE49-F238E27FC236}">
-                <a16:creationId xmlns:a16="http://schemas.microsoft.com/office/drawing/2014/main" id="{EF736BB0-C3BD-C7A2-A48C-4A664BC6F077}"/>
+                <a16:creationId xmlns:a16="http://schemas.microsoft.com/office/drawing/2014/main" id="{A722D6DB-32B4-91C3-E847-0AE2FFE95770}"/>
               </a:ext>
             </a:extLst>
           </p:cNvPr>
@@ -1115,7 +1115,7 @@
           <p:cNvPr id="4" name="日期占位符 3">
             <a:extLst>
               <a:ext uri="{FF2B5EF4-FFF2-40B4-BE49-F238E27FC236}">
-                <a16:creationId xmlns:a16="http://schemas.microsoft.com/office/drawing/2014/main" id="{228CA8A6-16BC-310F-BA42-D846B9F1CB5F}"/>
+                <a16:creationId xmlns:a16="http://schemas.microsoft.com/office/drawing/2014/main" id="{39F5DDE5-0363-33C4-4096-FA8F9E9F3F5D}"/>
               </a:ext>
             </a:extLst>
           </p:cNvPr>
@@ -1131,7 +1131,7 @@
           <a:bodyPr/>
           <a:lstStyle/>
           <a:p>
-            <a:fld id="{45A98314-CD39-44D7-8DA3-F7E5CD16E4D1}" type="datetimeFigureOut">
+            <a:fld id="{0C9FC555-8252-4E5D-99F7-E3E859EB90BF}" type="datetimeFigureOut">
               <a:rPr lang="zh-CN" altLang="en-US" smtClean="0"/>
               <a:t>2024/3/10</a:t>
             </a:fld>
@@ -1144,7 +1144,7 @@
           <p:cNvPr id="5" name="页脚占位符 4">
             <a:extLst>
               <a:ext uri="{FF2B5EF4-FFF2-40B4-BE49-F238E27FC236}">
-                <a16:creationId xmlns:a16="http://schemas.microsoft.com/office/drawing/2014/main" id="{6CFE4C0F-05CF-17EA-9ED1-1C1D32479C81}"/>
+                <a16:creationId xmlns:a16="http://schemas.microsoft.com/office/drawing/2014/main" id="{98F6B394-5460-ECC0-A9AA-427C3C9620D9}"/>
               </a:ext>
             </a:extLst>
           </p:cNvPr>
@@ -1169,7 +1169,7 @@
           <p:cNvPr id="6" name="灯片编号占位符 5">
             <a:extLst>
               <a:ext uri="{FF2B5EF4-FFF2-40B4-BE49-F238E27FC236}">
-                <a16:creationId xmlns:a16="http://schemas.microsoft.com/office/drawing/2014/main" id="{DA8A0E1C-74D7-6DF0-5C2A-682D09B797DD}"/>
+                <a16:creationId xmlns:a16="http://schemas.microsoft.com/office/drawing/2014/main" id="{580FE885-F11D-DFA2-9A90-2EBFA2DB7D65}"/>
               </a:ext>
             </a:extLst>
           </p:cNvPr>
@@ -1185,7 +1185,7 @@
           <a:bodyPr/>
           <a:lstStyle/>
           <a:p>
-            <a:fld id="{867E7AAB-AC0D-4CA1-9A81-3C1A8E79CDB8}" type="slidenum">
+            <a:fld id="{A9609B8E-3A8E-4D11-9B8C-E58B1645A34E}" type="slidenum">
               <a:rPr lang="zh-CN" altLang="en-US" smtClean="0"/>
               <a:t>‹#›</a:t>
             </a:fld>
@@ -1196,7 +1196,7 @@
     </p:spTree>
     <p:extLst>
       <p:ext uri="{BB962C8B-B14F-4D97-AF65-F5344CB8AC3E}">
-        <p14:creationId xmlns:p14="http://schemas.microsoft.com/office/powerpoint/2010/main" val="2635552066"/>
+        <p14:creationId xmlns:p14="http://schemas.microsoft.com/office/powerpoint/2010/main" val="2877275541"/>
       </p:ext>
     </p:extLst>
   </p:cSld>
@@ -1228,7 +1228,7 @@
           <p:cNvPr id="2" name="标题 1">
             <a:extLst>
               <a:ext uri="{FF2B5EF4-FFF2-40B4-BE49-F238E27FC236}">
-                <a16:creationId xmlns:a16="http://schemas.microsoft.com/office/drawing/2014/main" id="{86F91B3B-A858-A994-5277-DC7CE6782CB5}"/>
+                <a16:creationId xmlns:a16="http://schemas.microsoft.com/office/drawing/2014/main" id="{68F9F11F-9B40-B8AA-D766-B78DA6CD098A}"/>
               </a:ext>
             </a:extLst>
           </p:cNvPr>
@@ -1256,7 +1256,7 @@
           <p:cNvPr id="3" name="内容占位符 2">
             <a:extLst>
               <a:ext uri="{FF2B5EF4-FFF2-40B4-BE49-F238E27FC236}">
-                <a16:creationId xmlns:a16="http://schemas.microsoft.com/office/drawing/2014/main" id="{C8692CD3-D40A-962D-04FC-55F16C9D8C9A}"/>
+                <a16:creationId xmlns:a16="http://schemas.microsoft.com/office/drawing/2014/main" id="{C75F1196-2E13-F0E4-1E16-86C277F480B0}"/>
               </a:ext>
             </a:extLst>
           </p:cNvPr>
@@ -1318,7 +1318,7 @@
           <p:cNvPr id="4" name="内容占位符 3">
             <a:extLst>
               <a:ext uri="{FF2B5EF4-FFF2-40B4-BE49-F238E27FC236}">
-                <a16:creationId xmlns:a16="http://schemas.microsoft.com/office/drawing/2014/main" id="{359F1CEB-5C0D-9982-B025-6DBB731788C5}"/>
+                <a16:creationId xmlns:a16="http://schemas.microsoft.com/office/drawing/2014/main" id="{8640F815-9251-4150-FE33-1BC542F52E9C}"/>
               </a:ext>
             </a:extLst>
           </p:cNvPr>
@@ -1380,7 +1380,7 @@
           <p:cNvPr id="5" name="日期占位符 4">
             <a:extLst>
               <a:ext uri="{FF2B5EF4-FFF2-40B4-BE49-F238E27FC236}">
-                <a16:creationId xmlns:a16="http://schemas.microsoft.com/office/drawing/2014/main" id="{383C3007-3FFC-6113-4BC1-C42115FBDAF2}"/>
+                <a16:creationId xmlns:a16="http://schemas.microsoft.com/office/drawing/2014/main" id="{FFA01236-84A6-3BFF-9659-1D45B43ADDE8}"/>
               </a:ext>
             </a:extLst>
           </p:cNvPr>
@@ -1396,7 +1396,7 @@
           <a:bodyPr/>
           <a:lstStyle/>
           <a:p>
-            <a:fld id="{45A98314-CD39-44D7-8DA3-F7E5CD16E4D1}" type="datetimeFigureOut">
+            <a:fld id="{0C9FC555-8252-4E5D-99F7-E3E859EB90BF}" type="datetimeFigureOut">
               <a:rPr lang="zh-CN" altLang="en-US" smtClean="0"/>
               <a:t>2024/3/10</a:t>
             </a:fld>
@@ -1409,7 +1409,7 @@
           <p:cNvPr id="6" name="页脚占位符 5">
             <a:extLst>
               <a:ext uri="{FF2B5EF4-FFF2-40B4-BE49-F238E27FC236}">
-                <a16:creationId xmlns:a16="http://schemas.microsoft.com/office/drawing/2014/main" id="{0E258075-387D-D921-5556-8700C34FDB6B}"/>
+                <a16:creationId xmlns:a16="http://schemas.microsoft.com/office/drawing/2014/main" id="{A7431DD9-A40C-8D12-A6E1-172699BC1B45}"/>
               </a:ext>
             </a:extLst>
           </p:cNvPr>
@@ -1434,7 +1434,7 @@
           <p:cNvPr id="7" name="灯片编号占位符 6">
             <a:extLst>
               <a:ext uri="{FF2B5EF4-FFF2-40B4-BE49-F238E27FC236}">
-                <a16:creationId xmlns:a16="http://schemas.microsoft.com/office/drawing/2014/main" id="{E9C43FCD-2FCD-230E-188A-2CD703FF3EA5}"/>
+                <a16:creationId xmlns:a16="http://schemas.microsoft.com/office/drawing/2014/main" id="{02B2108D-518E-D04B-CD32-8C1299C69D26}"/>
               </a:ext>
             </a:extLst>
           </p:cNvPr>
@@ -1450,7 +1450,7 @@
           <a:bodyPr/>
           <a:lstStyle/>
           <a:p>
-            <a:fld id="{867E7AAB-AC0D-4CA1-9A81-3C1A8E79CDB8}" type="slidenum">
+            <a:fld id="{A9609B8E-3A8E-4D11-9B8C-E58B1645A34E}" type="slidenum">
               <a:rPr lang="zh-CN" altLang="en-US" smtClean="0"/>
               <a:t>‹#›</a:t>
             </a:fld>
@@ -1461,7 +1461,7 @@
     </p:spTree>
     <p:extLst>
       <p:ext uri="{BB962C8B-B14F-4D97-AF65-F5344CB8AC3E}">
-        <p14:creationId xmlns:p14="http://schemas.microsoft.com/office/powerpoint/2010/main" val="2884138947"/>
+        <p14:creationId xmlns:p14="http://schemas.microsoft.com/office/powerpoint/2010/main" val="1941354931"/>
       </p:ext>
     </p:extLst>
   </p:cSld>
@@ -1493,7 +1493,7 @@
           <p:cNvPr id="2" name="标题 1">
             <a:extLst>
               <a:ext uri="{FF2B5EF4-FFF2-40B4-BE49-F238E27FC236}">
-                <a16:creationId xmlns:a16="http://schemas.microsoft.com/office/drawing/2014/main" id="{18C5A73B-DD6D-59B4-1787-3CCED70DF10C}"/>
+                <a16:creationId xmlns:a16="http://schemas.microsoft.com/office/drawing/2014/main" id="{1FC3CA74-605F-556E-34B5-9A21B78B3903}"/>
               </a:ext>
             </a:extLst>
           </p:cNvPr>
@@ -1526,7 +1526,7 @@
           <p:cNvPr id="3" name="文本占位符 2">
             <a:extLst>
               <a:ext uri="{FF2B5EF4-FFF2-40B4-BE49-F238E27FC236}">
-                <a16:creationId xmlns:a16="http://schemas.microsoft.com/office/drawing/2014/main" id="{3FEEBB20-6C9C-C210-8562-23CBDE302283}"/>
+                <a16:creationId xmlns:a16="http://schemas.microsoft.com/office/drawing/2014/main" id="{85D95235-7773-CF44-8DC8-DC3670C067A2}"/>
               </a:ext>
             </a:extLst>
           </p:cNvPr>
@@ -1597,7 +1597,7 @@
           <p:cNvPr id="4" name="内容占位符 3">
             <a:extLst>
               <a:ext uri="{FF2B5EF4-FFF2-40B4-BE49-F238E27FC236}">
-                <a16:creationId xmlns:a16="http://schemas.microsoft.com/office/drawing/2014/main" id="{BDA4EFAE-4828-AFB3-8FDE-5A255A7F6223}"/>
+                <a16:creationId xmlns:a16="http://schemas.microsoft.com/office/drawing/2014/main" id="{1670AB92-83A0-CB92-E3DE-8D0AB6B1B0C7}"/>
               </a:ext>
             </a:extLst>
           </p:cNvPr>
@@ -1659,7 +1659,7 @@
           <p:cNvPr id="5" name="文本占位符 4">
             <a:extLst>
               <a:ext uri="{FF2B5EF4-FFF2-40B4-BE49-F238E27FC236}">
-                <a16:creationId xmlns:a16="http://schemas.microsoft.com/office/drawing/2014/main" id="{58869236-7D43-5536-EBC0-82A95767BD1B}"/>
+                <a16:creationId xmlns:a16="http://schemas.microsoft.com/office/drawing/2014/main" id="{F666EE1A-70C8-E8F0-0CE1-C4A49AE9A4D6}"/>
               </a:ext>
             </a:extLst>
           </p:cNvPr>
@@ -1730,7 +1730,7 @@
           <p:cNvPr id="6" name="内容占位符 5">
             <a:extLst>
               <a:ext uri="{FF2B5EF4-FFF2-40B4-BE49-F238E27FC236}">
-                <a16:creationId xmlns:a16="http://schemas.microsoft.com/office/drawing/2014/main" id="{CF6A1EE8-155A-CDAC-859D-DE8A403CADB0}"/>
+                <a16:creationId xmlns:a16="http://schemas.microsoft.com/office/drawing/2014/main" id="{75E768D1-275E-181C-5AE5-3DAE751B51F2}"/>
               </a:ext>
             </a:extLst>
           </p:cNvPr>
@@ -1792,7 +1792,7 @@
           <p:cNvPr id="7" name="日期占位符 6">
             <a:extLst>
               <a:ext uri="{FF2B5EF4-FFF2-40B4-BE49-F238E27FC236}">
-                <a16:creationId xmlns:a16="http://schemas.microsoft.com/office/drawing/2014/main" id="{8003FAFA-D387-3303-DF92-D8111B074127}"/>
+                <a16:creationId xmlns:a16="http://schemas.microsoft.com/office/drawing/2014/main" id="{16A17FD8-DA23-F519-EA17-DC1B322C6532}"/>
               </a:ext>
             </a:extLst>
           </p:cNvPr>
@@ -1808,7 +1808,7 @@
           <a:bodyPr/>
           <a:lstStyle/>
           <a:p>
-            <a:fld id="{45A98314-CD39-44D7-8DA3-F7E5CD16E4D1}" type="datetimeFigureOut">
+            <a:fld id="{0C9FC555-8252-4E5D-99F7-E3E859EB90BF}" type="datetimeFigureOut">
               <a:rPr lang="zh-CN" altLang="en-US" smtClean="0"/>
               <a:t>2024/3/10</a:t>
             </a:fld>
@@ -1821,7 +1821,7 @@
           <p:cNvPr id="8" name="页脚占位符 7">
             <a:extLst>
               <a:ext uri="{FF2B5EF4-FFF2-40B4-BE49-F238E27FC236}">
-                <a16:creationId xmlns:a16="http://schemas.microsoft.com/office/drawing/2014/main" id="{B81B70A3-0AED-A3F8-0A92-87B9A1A34C69}"/>
+                <a16:creationId xmlns:a16="http://schemas.microsoft.com/office/drawing/2014/main" id="{06A0C7B5-D14F-6BBC-3738-5A1BBA500143}"/>
               </a:ext>
             </a:extLst>
           </p:cNvPr>
@@ -1846,7 +1846,7 @@
           <p:cNvPr id="9" name="灯片编号占位符 8">
             <a:extLst>
               <a:ext uri="{FF2B5EF4-FFF2-40B4-BE49-F238E27FC236}">
-                <a16:creationId xmlns:a16="http://schemas.microsoft.com/office/drawing/2014/main" id="{B1134DBD-9E5B-1456-B94F-ABD8DEB6A865}"/>
+                <a16:creationId xmlns:a16="http://schemas.microsoft.com/office/drawing/2014/main" id="{C4E06B0B-016E-6D16-AF79-039174362A49}"/>
               </a:ext>
             </a:extLst>
           </p:cNvPr>
@@ -1862,7 +1862,7 @@
           <a:bodyPr/>
           <a:lstStyle/>
           <a:p>
-            <a:fld id="{867E7AAB-AC0D-4CA1-9A81-3C1A8E79CDB8}" type="slidenum">
+            <a:fld id="{A9609B8E-3A8E-4D11-9B8C-E58B1645A34E}" type="slidenum">
               <a:rPr lang="zh-CN" altLang="en-US" smtClean="0"/>
               <a:t>‹#›</a:t>
             </a:fld>
@@ -1873,7 +1873,7 @@
     </p:spTree>
     <p:extLst>
       <p:ext uri="{BB962C8B-B14F-4D97-AF65-F5344CB8AC3E}">
-        <p14:creationId xmlns:p14="http://schemas.microsoft.com/office/powerpoint/2010/main" val="2937165166"/>
+        <p14:creationId xmlns:p14="http://schemas.microsoft.com/office/powerpoint/2010/main" val="3483117098"/>
       </p:ext>
     </p:extLst>
   </p:cSld>
@@ -1905,7 +1905,7 @@
           <p:cNvPr id="2" name="标题 1">
             <a:extLst>
               <a:ext uri="{FF2B5EF4-FFF2-40B4-BE49-F238E27FC236}">
-                <a16:creationId xmlns:a16="http://schemas.microsoft.com/office/drawing/2014/main" id="{93542E86-1155-A3E7-965B-A0EB7086BC03}"/>
+                <a16:creationId xmlns:a16="http://schemas.microsoft.com/office/drawing/2014/main" id="{238F4BD5-F88A-DC56-D5C7-C9B958F01429}"/>
               </a:ext>
             </a:extLst>
           </p:cNvPr>
@@ -1933,7 +1933,7 @@
           <p:cNvPr id="3" name="日期占位符 2">
             <a:extLst>
               <a:ext uri="{FF2B5EF4-FFF2-40B4-BE49-F238E27FC236}">
-                <a16:creationId xmlns:a16="http://schemas.microsoft.com/office/drawing/2014/main" id="{D90A1AD9-9F47-6482-95E3-BE7164EEE5A5}"/>
+                <a16:creationId xmlns:a16="http://schemas.microsoft.com/office/drawing/2014/main" id="{FC001A82-F32A-FF7E-C5B5-3DE8459B96B2}"/>
               </a:ext>
             </a:extLst>
           </p:cNvPr>
@@ -1949,7 +1949,7 @@
           <a:bodyPr/>
           <a:lstStyle/>
           <a:p>
-            <a:fld id="{45A98314-CD39-44D7-8DA3-F7E5CD16E4D1}" type="datetimeFigureOut">
+            <a:fld id="{0C9FC555-8252-4E5D-99F7-E3E859EB90BF}" type="datetimeFigureOut">
               <a:rPr lang="zh-CN" altLang="en-US" smtClean="0"/>
               <a:t>2024/3/10</a:t>
             </a:fld>
@@ -1962,7 +1962,7 @@
           <p:cNvPr id="4" name="页脚占位符 3">
             <a:extLst>
               <a:ext uri="{FF2B5EF4-FFF2-40B4-BE49-F238E27FC236}">
-                <a16:creationId xmlns:a16="http://schemas.microsoft.com/office/drawing/2014/main" id="{B1C39606-0E4A-9163-E844-8FA18EE534B7}"/>
+                <a16:creationId xmlns:a16="http://schemas.microsoft.com/office/drawing/2014/main" id="{0D42065F-405C-11CB-A0B4-C296DC503212}"/>
               </a:ext>
             </a:extLst>
           </p:cNvPr>
@@ -1987,7 +1987,7 @@
           <p:cNvPr id="5" name="灯片编号占位符 4">
             <a:extLst>
               <a:ext uri="{FF2B5EF4-FFF2-40B4-BE49-F238E27FC236}">
-                <a16:creationId xmlns:a16="http://schemas.microsoft.com/office/drawing/2014/main" id="{7796CEA0-9457-D775-CFF9-B04947379472}"/>
+                <a16:creationId xmlns:a16="http://schemas.microsoft.com/office/drawing/2014/main" id="{FD2FB3AB-FDB3-C2BE-8064-757C5C026CFD}"/>
               </a:ext>
             </a:extLst>
           </p:cNvPr>
@@ -2003,7 +2003,7 @@
           <a:bodyPr/>
           <a:lstStyle/>
           <a:p>
-            <a:fld id="{867E7AAB-AC0D-4CA1-9A81-3C1A8E79CDB8}" type="slidenum">
+            <a:fld id="{A9609B8E-3A8E-4D11-9B8C-E58B1645A34E}" type="slidenum">
               <a:rPr lang="zh-CN" altLang="en-US" smtClean="0"/>
               <a:t>‹#›</a:t>
             </a:fld>
@@ -2014,7 +2014,7 @@
     </p:spTree>
     <p:extLst>
       <p:ext uri="{BB962C8B-B14F-4D97-AF65-F5344CB8AC3E}">
-        <p14:creationId xmlns:p14="http://schemas.microsoft.com/office/powerpoint/2010/main" val="2776421304"/>
+        <p14:creationId xmlns:p14="http://schemas.microsoft.com/office/powerpoint/2010/main" val="622178253"/>
       </p:ext>
     </p:extLst>
   </p:cSld>
@@ -2046,7 +2046,7 @@
           <p:cNvPr id="2" name="日期占位符 1">
             <a:extLst>
               <a:ext uri="{FF2B5EF4-FFF2-40B4-BE49-F238E27FC236}">
-                <a16:creationId xmlns:a16="http://schemas.microsoft.com/office/drawing/2014/main" id="{B2D1E3B5-3FD7-BE76-7BCF-0E24448C0B7D}"/>
+                <a16:creationId xmlns:a16="http://schemas.microsoft.com/office/drawing/2014/main" id="{52FC04C5-C3E8-2B5D-8B83-43C8608436E2}"/>
               </a:ext>
             </a:extLst>
           </p:cNvPr>
@@ -2062,7 +2062,7 @@
           <a:bodyPr/>
           <a:lstStyle/>
           <a:p>
-            <a:fld id="{45A98314-CD39-44D7-8DA3-F7E5CD16E4D1}" type="datetimeFigureOut">
+            <a:fld id="{0C9FC555-8252-4E5D-99F7-E3E859EB90BF}" type="datetimeFigureOut">
               <a:rPr lang="zh-CN" altLang="en-US" smtClean="0"/>
               <a:t>2024/3/10</a:t>
             </a:fld>
@@ -2075,7 +2075,7 @@
           <p:cNvPr id="3" name="页脚占位符 2">
             <a:extLst>
               <a:ext uri="{FF2B5EF4-FFF2-40B4-BE49-F238E27FC236}">
-                <a16:creationId xmlns:a16="http://schemas.microsoft.com/office/drawing/2014/main" id="{010A99B0-2511-4173-E2CC-C63021DC0135}"/>
+                <a16:creationId xmlns:a16="http://schemas.microsoft.com/office/drawing/2014/main" id="{166E3D2A-CC0B-BE4E-C0D5-C9A0F38F4580}"/>
               </a:ext>
             </a:extLst>
           </p:cNvPr>
@@ -2100,7 +2100,7 @@
           <p:cNvPr id="4" name="灯片编号占位符 3">
             <a:extLst>
               <a:ext uri="{FF2B5EF4-FFF2-40B4-BE49-F238E27FC236}">
-                <a16:creationId xmlns:a16="http://schemas.microsoft.com/office/drawing/2014/main" id="{9A5BDCE2-32CB-2492-33CB-DDC259841AA6}"/>
+                <a16:creationId xmlns:a16="http://schemas.microsoft.com/office/drawing/2014/main" id="{E1D12588-3B5E-01D4-0987-B4C5E2DBC363}"/>
               </a:ext>
             </a:extLst>
           </p:cNvPr>
@@ -2116,7 +2116,7 @@
           <a:bodyPr/>
           <a:lstStyle/>
           <a:p>
-            <a:fld id="{867E7AAB-AC0D-4CA1-9A81-3C1A8E79CDB8}" type="slidenum">
+            <a:fld id="{A9609B8E-3A8E-4D11-9B8C-E58B1645A34E}" type="slidenum">
               <a:rPr lang="zh-CN" altLang="en-US" smtClean="0"/>
               <a:t>‹#›</a:t>
             </a:fld>
@@ -2127,7 +2127,7 @@
     </p:spTree>
     <p:extLst>
       <p:ext uri="{BB962C8B-B14F-4D97-AF65-F5344CB8AC3E}">
-        <p14:creationId xmlns:p14="http://schemas.microsoft.com/office/powerpoint/2010/main" val="1574904364"/>
+        <p14:creationId xmlns:p14="http://schemas.microsoft.com/office/powerpoint/2010/main" val="3505559394"/>
       </p:ext>
     </p:extLst>
   </p:cSld>
@@ -2159,7 +2159,7 @@
           <p:cNvPr id="2" name="标题 1">
             <a:extLst>
               <a:ext uri="{FF2B5EF4-FFF2-40B4-BE49-F238E27FC236}">
-                <a16:creationId xmlns:a16="http://schemas.microsoft.com/office/drawing/2014/main" id="{D7D077D5-2314-E1B8-BD35-381801FF24D0}"/>
+                <a16:creationId xmlns:a16="http://schemas.microsoft.com/office/drawing/2014/main" id="{2BC34928-4894-BBFF-9DEF-3CA21271D603}"/>
               </a:ext>
             </a:extLst>
           </p:cNvPr>
@@ -2196,7 +2196,7 @@
           <p:cNvPr id="3" name="内容占位符 2">
             <a:extLst>
               <a:ext uri="{FF2B5EF4-FFF2-40B4-BE49-F238E27FC236}">
-                <a16:creationId xmlns:a16="http://schemas.microsoft.com/office/drawing/2014/main" id="{48D74CD4-F7AA-EC69-E0E3-25C974E72684}"/>
+                <a16:creationId xmlns:a16="http://schemas.microsoft.com/office/drawing/2014/main" id="{93525020-3F6E-0D08-3CAD-4DB4512630B6}"/>
               </a:ext>
             </a:extLst>
           </p:cNvPr>
@@ -2286,7 +2286,7 @@
           <p:cNvPr id="4" name="文本占位符 3">
             <a:extLst>
               <a:ext uri="{FF2B5EF4-FFF2-40B4-BE49-F238E27FC236}">
-                <a16:creationId xmlns:a16="http://schemas.microsoft.com/office/drawing/2014/main" id="{5A991ECC-4F68-2D4C-6AE5-A4A5C5E96A48}"/>
+                <a16:creationId xmlns:a16="http://schemas.microsoft.com/office/drawing/2014/main" id="{654F41B3-68C0-A72C-D763-562E7E9D9685}"/>
               </a:ext>
             </a:extLst>
           </p:cNvPr>
@@ -2357,7 +2357,7 @@
           <p:cNvPr id="5" name="日期占位符 4">
             <a:extLst>
               <a:ext uri="{FF2B5EF4-FFF2-40B4-BE49-F238E27FC236}">
-                <a16:creationId xmlns:a16="http://schemas.microsoft.com/office/drawing/2014/main" id="{E18AC9B9-0D21-F59C-C362-D9A6407314B3}"/>
+                <a16:creationId xmlns:a16="http://schemas.microsoft.com/office/drawing/2014/main" id="{077E1FEF-1DC3-5880-BEC6-7055951D01BB}"/>
               </a:ext>
             </a:extLst>
           </p:cNvPr>
@@ -2373,7 +2373,7 @@
           <a:bodyPr/>
           <a:lstStyle/>
           <a:p>
-            <a:fld id="{45A98314-CD39-44D7-8DA3-F7E5CD16E4D1}" type="datetimeFigureOut">
+            <a:fld id="{0C9FC555-8252-4E5D-99F7-E3E859EB90BF}" type="datetimeFigureOut">
               <a:rPr lang="zh-CN" altLang="en-US" smtClean="0"/>
               <a:t>2024/3/10</a:t>
             </a:fld>
@@ -2386,7 +2386,7 @@
           <p:cNvPr id="6" name="页脚占位符 5">
             <a:extLst>
               <a:ext uri="{FF2B5EF4-FFF2-40B4-BE49-F238E27FC236}">
-                <a16:creationId xmlns:a16="http://schemas.microsoft.com/office/drawing/2014/main" id="{A5834580-907D-46CA-CD5A-FC3E60DBD0B0}"/>
+                <a16:creationId xmlns:a16="http://schemas.microsoft.com/office/drawing/2014/main" id="{34DE075A-6F45-60AC-4C11-B16C93D67D01}"/>
               </a:ext>
             </a:extLst>
           </p:cNvPr>
@@ -2411,7 +2411,7 @@
           <p:cNvPr id="7" name="灯片编号占位符 6">
             <a:extLst>
               <a:ext uri="{FF2B5EF4-FFF2-40B4-BE49-F238E27FC236}">
-                <a16:creationId xmlns:a16="http://schemas.microsoft.com/office/drawing/2014/main" id="{37FC4607-FCEA-FA21-F06D-BF8DD172ABFC}"/>
+                <a16:creationId xmlns:a16="http://schemas.microsoft.com/office/drawing/2014/main" id="{3441C12D-B99D-C7A5-2F7B-CE83514C5A8A}"/>
               </a:ext>
             </a:extLst>
           </p:cNvPr>
@@ -2427,7 +2427,7 @@
           <a:bodyPr/>
           <a:lstStyle/>
           <a:p>
-            <a:fld id="{867E7AAB-AC0D-4CA1-9A81-3C1A8E79CDB8}" type="slidenum">
+            <a:fld id="{A9609B8E-3A8E-4D11-9B8C-E58B1645A34E}" type="slidenum">
               <a:rPr lang="zh-CN" altLang="en-US" smtClean="0"/>
               <a:t>‹#›</a:t>
             </a:fld>
@@ -2438,7 +2438,7 @@
     </p:spTree>
     <p:extLst>
       <p:ext uri="{BB962C8B-B14F-4D97-AF65-F5344CB8AC3E}">
-        <p14:creationId xmlns:p14="http://schemas.microsoft.com/office/powerpoint/2010/main" val="2844301797"/>
+        <p14:creationId xmlns:p14="http://schemas.microsoft.com/office/powerpoint/2010/main" val="3585037753"/>
       </p:ext>
     </p:extLst>
   </p:cSld>
@@ -2470,7 +2470,7 @@
           <p:cNvPr id="2" name="标题 1">
             <a:extLst>
               <a:ext uri="{FF2B5EF4-FFF2-40B4-BE49-F238E27FC236}">
-                <a16:creationId xmlns:a16="http://schemas.microsoft.com/office/drawing/2014/main" id="{E686B206-4373-1CCE-DD0E-C41679F4035B}"/>
+                <a16:creationId xmlns:a16="http://schemas.microsoft.com/office/drawing/2014/main" id="{B601521A-C444-AB97-BB33-F22524AD88BD}"/>
               </a:ext>
             </a:extLst>
           </p:cNvPr>
@@ -2507,7 +2507,7 @@
           <p:cNvPr id="3" name="图片占位符 2">
             <a:extLst>
               <a:ext uri="{FF2B5EF4-FFF2-40B4-BE49-F238E27FC236}">
-                <a16:creationId xmlns:a16="http://schemas.microsoft.com/office/drawing/2014/main" id="{47F1E6DC-7C75-72CC-12FA-0A36DCD3EB53}"/>
+                <a16:creationId xmlns:a16="http://schemas.microsoft.com/office/drawing/2014/main" id="{F72D3DF6-D497-E469-98C7-F716C286A82E}"/>
               </a:ext>
             </a:extLst>
           </p:cNvPr>
@@ -2574,7 +2574,7 @@
           <p:cNvPr id="4" name="文本占位符 3">
             <a:extLst>
               <a:ext uri="{FF2B5EF4-FFF2-40B4-BE49-F238E27FC236}">
-                <a16:creationId xmlns:a16="http://schemas.microsoft.com/office/drawing/2014/main" id="{18C19041-076B-69CF-11D0-C92E54665A85}"/>
+                <a16:creationId xmlns:a16="http://schemas.microsoft.com/office/drawing/2014/main" id="{281A4C01-4EB9-639E-E2D4-7246F86CB247}"/>
               </a:ext>
             </a:extLst>
           </p:cNvPr>
@@ -2645,7 +2645,7 @@
           <p:cNvPr id="5" name="日期占位符 4">
             <a:extLst>
               <a:ext uri="{FF2B5EF4-FFF2-40B4-BE49-F238E27FC236}">
-                <a16:creationId xmlns:a16="http://schemas.microsoft.com/office/drawing/2014/main" id="{3A5E4B90-6E7A-3C95-970A-859C57245B35}"/>
+                <a16:creationId xmlns:a16="http://schemas.microsoft.com/office/drawing/2014/main" id="{30E34777-D36E-5374-279A-08CEF764C4D1}"/>
               </a:ext>
             </a:extLst>
           </p:cNvPr>
@@ -2661,7 +2661,7 @@
           <a:bodyPr/>
           <a:lstStyle/>
           <a:p>
-            <a:fld id="{45A98314-CD39-44D7-8DA3-F7E5CD16E4D1}" type="datetimeFigureOut">
+            <a:fld id="{0C9FC555-8252-4E5D-99F7-E3E859EB90BF}" type="datetimeFigureOut">
               <a:rPr lang="zh-CN" altLang="en-US" smtClean="0"/>
               <a:t>2024/3/10</a:t>
             </a:fld>
@@ -2674,7 +2674,7 @@
           <p:cNvPr id="6" name="页脚占位符 5">
             <a:extLst>
               <a:ext uri="{FF2B5EF4-FFF2-40B4-BE49-F238E27FC236}">
-                <a16:creationId xmlns:a16="http://schemas.microsoft.com/office/drawing/2014/main" id="{35288901-4652-7B20-4424-72C3EC9B7850}"/>
+                <a16:creationId xmlns:a16="http://schemas.microsoft.com/office/drawing/2014/main" id="{4551F3D8-8BD3-462A-2DFB-2638744688DB}"/>
               </a:ext>
             </a:extLst>
           </p:cNvPr>
@@ -2699,7 +2699,7 @@
           <p:cNvPr id="7" name="灯片编号占位符 6">
             <a:extLst>
               <a:ext uri="{FF2B5EF4-FFF2-40B4-BE49-F238E27FC236}">
-                <a16:creationId xmlns:a16="http://schemas.microsoft.com/office/drawing/2014/main" id="{4DC9A5AD-7AA9-76A6-6E4E-8BE06A57B853}"/>
+                <a16:creationId xmlns:a16="http://schemas.microsoft.com/office/drawing/2014/main" id="{54EFED39-A371-C61F-7F69-3A969320A990}"/>
               </a:ext>
             </a:extLst>
           </p:cNvPr>
@@ -2715,7 +2715,7 @@
           <a:bodyPr/>
           <a:lstStyle/>
           <a:p>
-            <a:fld id="{867E7AAB-AC0D-4CA1-9A81-3C1A8E79CDB8}" type="slidenum">
+            <a:fld id="{A9609B8E-3A8E-4D11-9B8C-E58B1645A34E}" type="slidenum">
               <a:rPr lang="zh-CN" altLang="en-US" smtClean="0"/>
               <a:t>‹#›</a:t>
             </a:fld>
@@ -2726,7 +2726,7 @@
     </p:spTree>
     <p:extLst>
       <p:ext uri="{BB962C8B-B14F-4D97-AF65-F5344CB8AC3E}">
-        <p14:creationId xmlns:p14="http://schemas.microsoft.com/office/powerpoint/2010/main" val="1065811415"/>
+        <p14:creationId xmlns:p14="http://schemas.microsoft.com/office/powerpoint/2010/main" val="3909552285"/>
       </p:ext>
     </p:extLst>
   </p:cSld>
@@ -2763,7 +2763,7 @@
           <p:cNvPr id="2" name="标题占位符 1">
             <a:extLst>
               <a:ext uri="{FF2B5EF4-FFF2-40B4-BE49-F238E27FC236}">
-                <a16:creationId xmlns:a16="http://schemas.microsoft.com/office/drawing/2014/main" id="{CCB658BF-A6C3-25D4-9B0D-3FEB53DBA5DF}"/>
+                <a16:creationId xmlns:a16="http://schemas.microsoft.com/office/drawing/2014/main" id="{AA0A6CCE-72C5-E3B8-3BE7-054D5B04DA8F}"/>
               </a:ext>
             </a:extLst>
           </p:cNvPr>
@@ -2801,7 +2801,7 @@
           <p:cNvPr id="3" name="文本占位符 2">
             <a:extLst>
               <a:ext uri="{FF2B5EF4-FFF2-40B4-BE49-F238E27FC236}">
-                <a16:creationId xmlns:a16="http://schemas.microsoft.com/office/drawing/2014/main" id="{78E71C6F-2EE5-39D6-723C-D4B5C6436419}"/>
+                <a16:creationId xmlns:a16="http://schemas.microsoft.com/office/drawing/2014/main" id="{DF72C57C-CC70-9AFF-83A5-A63F60301117}"/>
               </a:ext>
             </a:extLst>
           </p:cNvPr>
@@ -2868,7 +2868,7 @@
           <p:cNvPr id="4" name="日期占位符 3">
             <a:extLst>
               <a:ext uri="{FF2B5EF4-FFF2-40B4-BE49-F238E27FC236}">
-                <a16:creationId xmlns:a16="http://schemas.microsoft.com/office/drawing/2014/main" id="{E71E2032-217E-2AFD-40BD-B98BB24FF5E7}"/>
+                <a16:creationId xmlns:a16="http://schemas.microsoft.com/office/drawing/2014/main" id="{87122376-4BA8-F812-51DB-3B1268C014DA}"/>
               </a:ext>
             </a:extLst>
           </p:cNvPr>
@@ -2902,7 +2902,7 @@
             </a:lvl1pPr>
           </a:lstStyle>
           <a:p>
-            <a:fld id="{45A98314-CD39-44D7-8DA3-F7E5CD16E4D1}" type="datetimeFigureOut">
+            <a:fld id="{0C9FC555-8252-4E5D-99F7-E3E859EB90BF}" type="datetimeFigureOut">
               <a:rPr lang="zh-CN" altLang="en-US" smtClean="0"/>
               <a:t>2024/3/10</a:t>
             </a:fld>
@@ -2915,7 +2915,7 @@
           <p:cNvPr id="5" name="页脚占位符 4">
             <a:extLst>
               <a:ext uri="{FF2B5EF4-FFF2-40B4-BE49-F238E27FC236}">
-                <a16:creationId xmlns:a16="http://schemas.microsoft.com/office/drawing/2014/main" id="{AD8693FB-788B-8CDD-9F52-8E71891D2658}"/>
+                <a16:creationId xmlns:a16="http://schemas.microsoft.com/office/drawing/2014/main" id="{441DA41E-F8DB-BACD-E327-3880A153F4A4}"/>
               </a:ext>
             </a:extLst>
           </p:cNvPr>
@@ -2958,7 +2958,7 @@
           <p:cNvPr id="6" name="灯片编号占位符 5">
             <a:extLst>
               <a:ext uri="{FF2B5EF4-FFF2-40B4-BE49-F238E27FC236}">
-                <a16:creationId xmlns:a16="http://schemas.microsoft.com/office/drawing/2014/main" id="{B195147E-28C6-B699-E7C7-35E53AB929BA}"/>
+                <a16:creationId xmlns:a16="http://schemas.microsoft.com/office/drawing/2014/main" id="{CC0378C4-D6EA-53DF-A66F-BF7231F7C86B}"/>
               </a:ext>
             </a:extLst>
           </p:cNvPr>
@@ -2992,7 +2992,7 @@
             </a:lvl1pPr>
           </a:lstStyle>
           <a:p>
-            <a:fld id="{867E7AAB-AC0D-4CA1-9A81-3C1A8E79CDB8}" type="slidenum">
+            <a:fld id="{A9609B8E-3A8E-4D11-9B8C-E58B1645A34E}" type="slidenum">
               <a:rPr lang="zh-CN" altLang="en-US" smtClean="0"/>
               <a:t>‹#›</a:t>
             </a:fld>
@@ -3003,7 +3003,7 @@
     </p:spTree>
     <p:extLst>
       <p:ext uri="{BB962C8B-B14F-4D97-AF65-F5344CB8AC3E}">
-        <p14:creationId xmlns:p14="http://schemas.microsoft.com/office/powerpoint/2010/main" val="449630735"/>
+        <p14:creationId xmlns:p14="http://schemas.microsoft.com/office/powerpoint/2010/main" val="3307758033"/>
       </p:ext>
     </p:extLst>
   </p:cSld>
@@ -3323,7 +3323,7 @@
       </p:grpSpPr>
       <p:pic>
         <p:nvPicPr>
-          <p:cNvPr id="706562" name="Picture 2" descr="689"/>
+          <p:cNvPr id="707586" name="Picture 2" descr="690"/>
           <p:cNvPicPr>
             <a:picLocks noChangeAspect="1" noChangeArrowheads="1"/>
           </p:cNvPicPr>
@@ -3345,7 +3345,7 @@
         <p:spPr bwMode="auto">
           <a:xfrm>
             <a:off x="1524000" y="0"/>
-            <a:ext cx="9144000" cy="6859588"/>
+            <a:ext cx="9144000" cy="5734050"/>
           </a:xfrm>
           <a:prstGeom prst="rect">
             <a:avLst/>
